--- a/web/F1aUserGuide.pptx
+++ b/web/F1aUserGuide.pptx
@@ -231,7 +231,7 @@
           <a:p>
             <a:fld id="{1DDFFCE2-4617-4243-A5AD-36B59F1C0982}" type="datetimeFigureOut">
               <a:rPr lang="en-US" smtClean="0"/>
-              <a:t>2019-03-25</a:t>
+              <a:t>2021-09-29</a:t>
             </a:fld>
             <a:endParaRPr lang="en-US"/>
           </a:p>
@@ -1049,7 +1049,7 @@
             <a:fld id="{B61BEF0D-F0BB-DE4B-95CE-6DB70DBA9567}" type="datetimeFigureOut">
               <a:rPr lang="en-US" dirty="0"/>
               <a:pPr/>
-              <a:t>2019-03-25</a:t>
+              <a:t>2021-09-29</a:t>
             </a:fld>
             <a:endParaRPr lang="en-US" dirty="0"/>
           </a:p>
@@ -1297,7 +1297,7 @@
             <a:fld id="{B61BEF0D-F0BB-DE4B-95CE-6DB70DBA9567}" type="datetimeFigureOut">
               <a:rPr lang="en-US" dirty="0"/>
               <a:pPr/>
-              <a:t>2019-03-25</a:t>
+              <a:t>2021-09-29</a:t>
             </a:fld>
             <a:endParaRPr lang="en-US" dirty="0"/>
           </a:p>
@@ -1608,7 +1608,7 @@
             <a:fld id="{B61BEF0D-F0BB-DE4B-95CE-6DB70DBA9567}" type="datetimeFigureOut">
               <a:rPr lang="en-US" dirty="0"/>
               <a:pPr/>
-              <a:t>2019-03-25</a:t>
+              <a:t>2021-09-29</a:t>
             </a:fld>
             <a:endParaRPr lang="en-US" dirty="0"/>
           </a:p>
@@ -1946,7 +1946,7 @@
             <a:fld id="{B61BEF0D-F0BB-DE4B-95CE-6DB70DBA9567}" type="datetimeFigureOut">
               <a:rPr lang="en-US" dirty="0"/>
               <a:pPr/>
-              <a:t>2019-03-25</a:t>
+              <a:t>2021-09-29</a:t>
             </a:fld>
             <a:endParaRPr lang="en-US" dirty="0"/>
           </a:p>
@@ -2257,7 +2257,7 @@
             <a:fld id="{B61BEF0D-F0BB-DE4B-95CE-6DB70DBA9567}" type="datetimeFigureOut">
               <a:rPr lang="en-US" dirty="0"/>
               <a:pPr/>
-              <a:t>2019-03-25</a:t>
+              <a:t>2021-09-29</a:t>
             </a:fld>
             <a:endParaRPr lang="en-US" dirty="0"/>
           </a:p>
@@ -2647,7 +2647,7 @@
             <a:fld id="{B61BEF0D-F0BB-DE4B-95CE-6DB70DBA9567}" type="datetimeFigureOut">
               <a:rPr lang="en-US" dirty="0"/>
               <a:pPr/>
-              <a:t>2019-03-25</a:t>
+              <a:t>2021-09-29</a:t>
             </a:fld>
             <a:endParaRPr lang="en-US" dirty="0"/>
           </a:p>
@@ -2813,7 +2813,7 @@
           <a:p>
             <a:fld id="{55C6B4A9-1611-4792-9094-5F34BCA07E0B}" type="datetimeFigureOut">
               <a:rPr lang="en-US" dirty="0"/>
-              <a:t>2019-03-25</a:t>
+              <a:t>2021-09-29</a:t>
             </a:fld>
             <a:endParaRPr lang="en-US" dirty="0"/>
           </a:p>
@@ -2989,7 +2989,7 @@
             <a:fld id="{B61BEF0D-F0BB-DE4B-95CE-6DB70DBA9567}" type="datetimeFigureOut">
               <a:rPr lang="en-US" dirty="0"/>
               <a:pPr/>
-              <a:t>2019-03-25</a:t>
+              <a:t>2021-09-29</a:t>
             </a:fld>
             <a:endParaRPr lang="en-US" dirty="0"/>
           </a:p>
@@ -3162,7 +3162,7 @@
             <a:fld id="{B61BEF0D-F0BB-DE4B-95CE-6DB70DBA9567}" type="datetimeFigureOut">
               <a:rPr lang="en-US" dirty="0"/>
               <a:pPr/>
-              <a:t>2019-03-25</a:t>
+              <a:t>2021-09-29</a:t>
             </a:fld>
             <a:endParaRPr lang="en-US" dirty="0"/>
           </a:p>
@@ -3406,7 +3406,7 @@
             <a:fld id="{B61BEF0D-F0BB-DE4B-95CE-6DB70DBA9567}" type="datetimeFigureOut">
               <a:rPr lang="en-US" dirty="0"/>
               <a:pPr/>
-              <a:t>2019-03-25</a:t>
+              <a:t>2021-09-29</a:t>
             </a:fld>
             <a:endParaRPr lang="en-US" dirty="0"/>
           </a:p>
@@ -3634,7 +3634,7 @@
           <a:p>
             <a:fld id="{EB712588-04B1-427B-82EE-E8DB90309F08}" type="datetimeFigureOut">
               <a:rPr lang="en-US" dirty="0"/>
-              <a:t>2019-03-25</a:t>
+              <a:t>2021-09-29</a:t>
             </a:fld>
             <a:endParaRPr lang="en-US" dirty="0"/>
           </a:p>
@@ -4004,7 +4004,7 @@
             <a:fld id="{B61BEF0D-F0BB-DE4B-95CE-6DB70DBA9567}" type="datetimeFigureOut">
               <a:rPr lang="en-US" dirty="0"/>
               <a:pPr/>
-              <a:t>2019-03-25</a:t>
+              <a:t>2021-09-29</a:t>
             </a:fld>
             <a:endParaRPr lang="en-US" dirty="0"/>
           </a:p>
@@ -4124,7 +4124,7 @@
             <a:fld id="{B61BEF0D-F0BB-DE4B-95CE-6DB70DBA9567}" type="datetimeFigureOut">
               <a:rPr lang="en-US" dirty="0"/>
               <a:pPr/>
-              <a:t>2019-03-25</a:t>
+              <a:t>2021-09-29</a:t>
             </a:fld>
             <a:endParaRPr lang="en-US" dirty="0"/>
           </a:p>
@@ -4216,7 +4216,7 @@
             <a:fld id="{B61BEF0D-F0BB-DE4B-95CE-6DB70DBA9567}" type="datetimeFigureOut">
               <a:rPr lang="en-US" dirty="0"/>
               <a:pPr/>
-              <a:t>2019-03-25</a:t>
+              <a:t>2021-09-29</a:t>
             </a:fld>
             <a:endParaRPr lang="en-US" dirty="0"/>
           </a:p>
@@ -4467,7 +4467,7 @@
           <a:p>
             <a:fld id="{42A54C80-263E-416B-A8E0-580EDEADCBDC}" type="datetimeFigureOut">
               <a:rPr lang="en-US" dirty="0"/>
-              <a:t>2019-03-25</a:t>
+              <a:t>2021-09-29</a:t>
             </a:fld>
             <a:endParaRPr lang="en-US" dirty="0"/>
           </a:p>
@@ -4726,7 +4726,7 @@
             <a:fld id="{B61BEF0D-F0BB-DE4B-95CE-6DB70DBA9567}" type="datetimeFigureOut">
               <a:rPr lang="en-US" dirty="0"/>
               <a:pPr/>
-              <a:t>2019-03-25</a:t>
+              <a:t>2021-09-29</a:t>
             </a:fld>
             <a:endParaRPr lang="en-US" dirty="0"/>
           </a:p>
@@ -5466,7 +5466,7 @@
             <a:fld id="{B61BEF0D-F0BB-DE4B-95CE-6DB70DBA9567}" type="datetimeFigureOut">
               <a:rPr lang="en-US" dirty="0"/>
               <a:pPr/>
-              <a:t>2019-03-25</a:t>
+              <a:t>2021-09-29</a:t>
             </a:fld>
             <a:endParaRPr lang="en-US" dirty="0"/>
           </a:p>
@@ -9759,7 +9759,13 @@
               <a:rPr lang="en-US" dirty="0">
                 <a:hlinkClick r:id="rId2"/>
               </a:rPr>
-              <a:t>http://hsdsacluster2.fhi360.org:8080/InternalSystem/gettemplate.jsp</a:t>
+              <a:t>https://</a:t>
+            </a:r>
+            <a:r>
+              <a:rPr lang="en-US" dirty="0" smtClean="0">
+                <a:hlinkClick r:id="rId2"/>
+              </a:rPr>
+              <a:t>usaidtujengejamii.org:8443/InternalSystem/gettemplate.jsp</a:t>
             </a:r>
             <a:endParaRPr lang="en-US" dirty="0"/>
           </a:p>
